--- a/Final/lasher_redshift_dl_ml_csit565_final.pptx
+++ b/Final/lasher_redshift_dl_ml_csit565_final.pptx
@@ -1465,6 +1465,135 @@
       </pc:sldChg>
     </pc:docChg>
   </pc:docChgLst>
+  <pc:docChgLst>
+    <pc:chgData name="bl7@hood.edu" userId="aec07a53-2e93-4fb6-ab81-85d3b7aef536" providerId="ADAL" clId="{0B309B82-6F1E-4D69-8D94-9C9C2BA009C4}"/>
+    <pc:docChg chg="modSld">
+      <pc:chgData name="bl7@hood.edu" userId="aec07a53-2e93-4fb6-ab81-85d3b7aef536" providerId="ADAL" clId="{0B309B82-6F1E-4D69-8D94-9C9C2BA009C4}" dt="2022-12-07T22:57:18.520" v="8" actId="14100"/>
+      <pc:docMkLst>
+        <pc:docMk/>
+      </pc:docMkLst>
+      <pc:sldChg chg="modSp mod">
+        <pc:chgData name="bl7@hood.edu" userId="aec07a53-2e93-4fb6-ab81-85d3b7aef536" providerId="ADAL" clId="{0B309B82-6F1E-4D69-8D94-9C9C2BA009C4}" dt="2022-12-07T22:56:22.050" v="0" actId="14100"/>
+        <pc:sldMkLst>
+          <pc:docMk/>
+          <pc:sldMk cId="1025544525" sldId="261"/>
+        </pc:sldMkLst>
+        <pc:spChg chg="mod">
+          <ac:chgData name="bl7@hood.edu" userId="aec07a53-2e93-4fb6-ab81-85d3b7aef536" providerId="ADAL" clId="{0B309B82-6F1E-4D69-8D94-9C9C2BA009C4}" dt="2022-12-07T22:56:22.050" v="0" actId="14100"/>
+          <ac:spMkLst>
+            <pc:docMk/>
+            <pc:sldMk cId="1025544525" sldId="261"/>
+            <ac:spMk id="2" creationId="{06214142-C8A1-D9B3-3011-D14333339F91}"/>
+          </ac:spMkLst>
+        </pc:spChg>
+      </pc:sldChg>
+      <pc:sldChg chg="modSp mod">
+        <pc:chgData name="bl7@hood.edu" userId="aec07a53-2e93-4fb6-ab81-85d3b7aef536" providerId="ADAL" clId="{0B309B82-6F1E-4D69-8D94-9C9C2BA009C4}" dt="2022-12-07T22:56:33.361" v="1" actId="14100"/>
+        <pc:sldMkLst>
+          <pc:docMk/>
+          <pc:sldMk cId="3787703601" sldId="273"/>
+        </pc:sldMkLst>
+        <pc:spChg chg="mod">
+          <ac:chgData name="bl7@hood.edu" userId="aec07a53-2e93-4fb6-ab81-85d3b7aef536" providerId="ADAL" clId="{0B309B82-6F1E-4D69-8D94-9C9C2BA009C4}" dt="2022-12-07T22:56:33.361" v="1" actId="14100"/>
+          <ac:spMkLst>
+            <pc:docMk/>
+            <pc:sldMk cId="3787703601" sldId="273"/>
+            <ac:spMk id="2" creationId="{16B55488-7B8F-B3AF-DC52-C5FCFF54005D}"/>
+          </ac:spMkLst>
+        </pc:spChg>
+      </pc:sldChg>
+      <pc:sldChg chg="modSp mod">
+        <pc:chgData name="bl7@hood.edu" userId="aec07a53-2e93-4fb6-ab81-85d3b7aef536" providerId="ADAL" clId="{0B309B82-6F1E-4D69-8D94-9C9C2BA009C4}" dt="2022-12-07T22:56:39.250" v="2" actId="14100"/>
+        <pc:sldMkLst>
+          <pc:docMk/>
+          <pc:sldMk cId="3023312391" sldId="274"/>
+        </pc:sldMkLst>
+        <pc:spChg chg="mod">
+          <ac:chgData name="bl7@hood.edu" userId="aec07a53-2e93-4fb6-ab81-85d3b7aef536" providerId="ADAL" clId="{0B309B82-6F1E-4D69-8D94-9C9C2BA009C4}" dt="2022-12-07T22:56:39.250" v="2" actId="14100"/>
+          <ac:spMkLst>
+            <pc:docMk/>
+            <pc:sldMk cId="3023312391" sldId="274"/>
+            <ac:spMk id="2" creationId="{70EB6D51-6FE5-E9D5-A65C-C08FA8DE012E}"/>
+          </ac:spMkLst>
+        </pc:spChg>
+      </pc:sldChg>
+      <pc:sldChg chg="modSp mod">
+        <pc:chgData name="bl7@hood.edu" userId="aec07a53-2e93-4fb6-ab81-85d3b7aef536" providerId="ADAL" clId="{0B309B82-6F1E-4D69-8D94-9C9C2BA009C4}" dt="2022-12-07T22:56:51.348" v="5" actId="14100"/>
+        <pc:sldMkLst>
+          <pc:docMk/>
+          <pc:sldMk cId="2924798439" sldId="275"/>
+        </pc:sldMkLst>
+        <pc:spChg chg="mod">
+          <ac:chgData name="bl7@hood.edu" userId="aec07a53-2e93-4fb6-ab81-85d3b7aef536" providerId="ADAL" clId="{0B309B82-6F1E-4D69-8D94-9C9C2BA009C4}" dt="2022-12-07T22:56:51.348" v="5" actId="14100"/>
+          <ac:spMkLst>
+            <pc:docMk/>
+            <pc:sldMk cId="2924798439" sldId="275"/>
+            <ac:spMk id="2" creationId="{6A63FC2F-753F-A6C7-9A44-02F070C0C558}"/>
+          </ac:spMkLst>
+        </pc:spChg>
+      </pc:sldChg>
+      <pc:sldChg chg="modSp mod">
+        <pc:chgData name="bl7@hood.edu" userId="aec07a53-2e93-4fb6-ab81-85d3b7aef536" providerId="ADAL" clId="{0B309B82-6F1E-4D69-8D94-9C9C2BA009C4}" dt="2022-12-07T22:56:43.672" v="3" actId="14100"/>
+        <pc:sldMkLst>
+          <pc:docMk/>
+          <pc:sldMk cId="2763861175" sldId="276"/>
+        </pc:sldMkLst>
+        <pc:spChg chg="mod">
+          <ac:chgData name="bl7@hood.edu" userId="aec07a53-2e93-4fb6-ab81-85d3b7aef536" providerId="ADAL" clId="{0B309B82-6F1E-4D69-8D94-9C9C2BA009C4}" dt="2022-12-07T22:56:43.672" v="3" actId="14100"/>
+          <ac:spMkLst>
+            <pc:docMk/>
+            <pc:sldMk cId="2763861175" sldId="276"/>
+            <ac:spMk id="2" creationId="{FF72D6C2-6792-6A65-C8B1-7C456BB06AEF}"/>
+          </ac:spMkLst>
+        </pc:spChg>
+      </pc:sldChg>
+      <pc:sldChg chg="modSp mod">
+        <pc:chgData name="bl7@hood.edu" userId="aec07a53-2e93-4fb6-ab81-85d3b7aef536" providerId="ADAL" clId="{0B309B82-6F1E-4D69-8D94-9C9C2BA009C4}" dt="2022-12-07T22:56:57.160" v="6" actId="14100"/>
+        <pc:sldMkLst>
+          <pc:docMk/>
+          <pc:sldMk cId="2779550582" sldId="277"/>
+        </pc:sldMkLst>
+        <pc:spChg chg="mod">
+          <ac:chgData name="bl7@hood.edu" userId="aec07a53-2e93-4fb6-ab81-85d3b7aef536" providerId="ADAL" clId="{0B309B82-6F1E-4D69-8D94-9C9C2BA009C4}" dt="2022-12-07T22:56:57.160" v="6" actId="14100"/>
+          <ac:spMkLst>
+            <pc:docMk/>
+            <pc:sldMk cId="2779550582" sldId="277"/>
+            <ac:spMk id="2" creationId="{51FEF3B6-5BBC-7290-F05C-E67A14A9C053}"/>
+          </ac:spMkLst>
+        </pc:spChg>
+      </pc:sldChg>
+      <pc:sldChg chg="modSp mod">
+        <pc:chgData name="bl7@hood.edu" userId="aec07a53-2e93-4fb6-ab81-85d3b7aef536" providerId="ADAL" clId="{0B309B82-6F1E-4D69-8D94-9C9C2BA009C4}" dt="2022-12-07T22:57:01.345" v="7" actId="14100"/>
+        <pc:sldMkLst>
+          <pc:docMk/>
+          <pc:sldMk cId="779194858" sldId="278"/>
+        </pc:sldMkLst>
+        <pc:spChg chg="mod">
+          <ac:chgData name="bl7@hood.edu" userId="aec07a53-2e93-4fb6-ab81-85d3b7aef536" providerId="ADAL" clId="{0B309B82-6F1E-4D69-8D94-9C9C2BA009C4}" dt="2022-12-07T22:57:01.345" v="7" actId="14100"/>
+          <ac:spMkLst>
+            <pc:docMk/>
+            <pc:sldMk cId="779194858" sldId="278"/>
+            <ac:spMk id="2" creationId="{3EDFA797-F167-CC95-0424-16EBDF1DCE5F}"/>
+          </ac:spMkLst>
+        </pc:spChg>
+      </pc:sldChg>
+      <pc:sldChg chg="modSp mod">
+        <pc:chgData name="bl7@hood.edu" userId="aec07a53-2e93-4fb6-ab81-85d3b7aef536" providerId="ADAL" clId="{0B309B82-6F1E-4D69-8D94-9C9C2BA009C4}" dt="2022-12-07T22:57:18.520" v="8" actId="14100"/>
+        <pc:sldMkLst>
+          <pc:docMk/>
+          <pc:sldMk cId="3446237229" sldId="279"/>
+        </pc:sldMkLst>
+        <pc:spChg chg="mod">
+          <ac:chgData name="bl7@hood.edu" userId="aec07a53-2e93-4fb6-ab81-85d3b7aef536" providerId="ADAL" clId="{0B309B82-6F1E-4D69-8D94-9C9C2BA009C4}" dt="2022-12-07T22:57:18.520" v="8" actId="14100"/>
+          <ac:spMkLst>
+            <pc:docMk/>
+            <pc:sldMk cId="3446237229" sldId="279"/>
+            <ac:spMk id="2" creationId="{A036059F-DB7C-D94B-D603-EA5548EC8DB9}"/>
+          </ac:spMkLst>
+        </pc:spChg>
+      </pc:sldChg>
+    </pc:docChg>
+  </pc:docChgLst>
 </pc:chgInfo>
 </file>
 
@@ -8598,7 +8727,12 @@
             <p:ph type="title"/>
           </p:nvPr>
         </p:nvSpPr>
-        <p:spPr/>
+        <p:spPr>
+          <a:xfrm>
+            <a:off x="646111" y="452718"/>
+            <a:ext cx="10186908" cy="1400530"/>
+          </a:xfrm>
+        </p:spPr>
         <p:txBody>
           <a:bodyPr/>
           <a:lstStyle/>
@@ -9276,7 +9410,12 @@
             <p:ph type="title"/>
           </p:nvPr>
         </p:nvSpPr>
-        <p:spPr/>
+        <p:spPr>
+          <a:xfrm>
+            <a:off x="646111" y="452718"/>
+            <a:ext cx="10815922" cy="1400530"/>
+          </a:xfrm>
+        </p:spPr>
         <p:txBody>
           <a:bodyPr/>
           <a:lstStyle/>
@@ -9403,7 +9542,12 @@
             <p:ph type="title"/>
           </p:nvPr>
         </p:nvSpPr>
-        <p:spPr/>
+        <p:spPr>
+          <a:xfrm>
+            <a:off x="646111" y="452718"/>
+            <a:ext cx="10926582" cy="1400530"/>
+          </a:xfrm>
+        </p:spPr>
         <p:txBody>
           <a:bodyPr/>
           <a:lstStyle/>
@@ -9544,7 +9688,12 @@
             <p:ph type="title"/>
           </p:nvPr>
         </p:nvSpPr>
-        <p:spPr/>
+        <p:spPr>
+          <a:xfrm>
+            <a:off x="646111" y="452718"/>
+            <a:ext cx="10326689" cy="1400530"/>
+          </a:xfrm>
+        </p:spPr>
         <p:txBody>
           <a:bodyPr/>
           <a:lstStyle/>
@@ -9664,7 +9813,12 @@
             <p:ph type="title"/>
           </p:nvPr>
         </p:nvSpPr>
-        <p:spPr/>
+        <p:spPr>
+          <a:xfrm>
+            <a:off x="646111" y="452718"/>
+            <a:ext cx="10536360" cy="1400530"/>
+          </a:xfrm>
+        </p:spPr>
         <p:txBody>
           <a:bodyPr/>
           <a:lstStyle/>
@@ -11490,7 +11644,12 @@
             <p:ph type="title"/>
           </p:nvPr>
         </p:nvSpPr>
-        <p:spPr/>
+        <p:spPr>
+          <a:xfrm>
+            <a:off x="646111" y="452718"/>
+            <a:ext cx="10760800" cy="1400530"/>
+          </a:xfrm>
+        </p:spPr>
         <p:txBody>
           <a:bodyPr/>
           <a:lstStyle/>
@@ -12696,7 +12855,12 @@
             <p:ph type="title"/>
           </p:nvPr>
         </p:nvSpPr>
-        <p:spPr/>
+        <p:spPr>
+          <a:xfrm>
+            <a:off x="646111" y="452718"/>
+            <a:ext cx="10460646" cy="1400530"/>
+          </a:xfrm>
+        </p:spPr>
         <p:txBody>
           <a:bodyPr/>
           <a:lstStyle/>
@@ -13709,7 +13873,12 @@
             <p:ph type="title"/>
           </p:nvPr>
         </p:nvSpPr>
-        <p:spPr/>
+        <p:spPr>
+          <a:xfrm>
+            <a:off x="646111" y="452718"/>
+            <a:ext cx="10652844" cy="1400530"/>
+          </a:xfrm>
+        </p:spPr>
         <p:txBody>
           <a:bodyPr/>
           <a:lstStyle/>

--- a/Final/lasher_redshift_dl_ml_csit565_final.pptx
+++ b/Final/lasher_redshift_dl_ml_csit565_final.pptx
@@ -1466,6 +1466,114 @@
     </pc:docChg>
   </pc:docChgLst>
   <pc:docChgLst>
+    <pc:chgData name="Brandon Lasher" userId="3494449ee73156b5" providerId="LiveId" clId="{2D3D00D1-063D-4A34-A4F4-727D0E511E62}"/>
+    <pc:docChg chg="custSel modSld">
+      <pc:chgData name="Brandon Lasher" userId="3494449ee73156b5" providerId="LiveId" clId="{2D3D00D1-063D-4A34-A4F4-727D0E511E62}" dt="2022-12-08T02:44:06.100" v="106" actId="1076"/>
+      <pc:docMkLst>
+        <pc:docMk/>
+      </pc:docMkLst>
+      <pc:sldChg chg="modSp mod">
+        <pc:chgData name="Brandon Lasher" userId="3494449ee73156b5" providerId="LiveId" clId="{2D3D00D1-063D-4A34-A4F4-727D0E511E62}" dt="2022-12-08T02:04:31.360" v="2" actId="1076"/>
+        <pc:sldMkLst>
+          <pc:docMk/>
+          <pc:sldMk cId="151164203" sldId="259"/>
+        </pc:sldMkLst>
+        <pc:picChg chg="mod">
+          <ac:chgData name="Brandon Lasher" userId="3494449ee73156b5" providerId="LiveId" clId="{2D3D00D1-063D-4A34-A4F4-727D0E511E62}" dt="2022-12-08T02:04:31.360" v="2" actId="1076"/>
+          <ac:picMkLst>
+            <pc:docMk/>
+            <pc:sldMk cId="151164203" sldId="259"/>
+            <ac:picMk id="2052" creationId="{BF788155-9304-1F1E-B248-D592DAB3E037}"/>
+          </ac:picMkLst>
+        </pc:picChg>
+      </pc:sldChg>
+      <pc:sldChg chg="addSp delSp modSp mod">
+        <pc:chgData name="Brandon Lasher" userId="3494449ee73156b5" providerId="LiveId" clId="{2D3D00D1-063D-4A34-A4F4-727D0E511E62}" dt="2022-12-08T02:34:11.734" v="10" actId="20577"/>
+        <pc:sldMkLst>
+          <pc:docMk/>
+          <pc:sldMk cId="1637385425" sldId="267"/>
+        </pc:sldMkLst>
+        <pc:spChg chg="mod">
+          <ac:chgData name="Brandon Lasher" userId="3494449ee73156b5" providerId="LiveId" clId="{2D3D00D1-063D-4A34-A4F4-727D0E511E62}" dt="2022-12-08T02:27:14.467" v="5" actId="20577"/>
+          <ac:spMkLst>
+            <pc:docMk/>
+            <pc:sldMk cId="1637385425" sldId="267"/>
+            <ac:spMk id="3" creationId="{6561A890-2DB1-ACC8-F789-179B0204E58F}"/>
+          </ac:spMkLst>
+        </pc:spChg>
+        <pc:spChg chg="mod">
+          <ac:chgData name="Brandon Lasher" userId="3494449ee73156b5" providerId="LiveId" clId="{2D3D00D1-063D-4A34-A4F4-727D0E511E62}" dt="2022-12-08T02:34:11.734" v="10" actId="20577"/>
+          <ac:spMkLst>
+            <pc:docMk/>
+            <pc:sldMk cId="1637385425" sldId="267"/>
+            <ac:spMk id="6" creationId="{0B3DC617-F807-D375-9DF8-72554AC24A15}"/>
+          </ac:spMkLst>
+        </pc:spChg>
+        <pc:picChg chg="add del mod">
+          <ac:chgData name="Brandon Lasher" userId="3494449ee73156b5" providerId="LiveId" clId="{2D3D00D1-063D-4A34-A4F4-727D0E511E62}" dt="2022-12-08T02:33:35.539" v="8" actId="478"/>
+          <ac:picMkLst>
+            <pc:docMk/>
+            <pc:sldMk cId="1637385425" sldId="267"/>
+            <ac:picMk id="8" creationId="{F73E27C2-F44B-782F-5D77-A5E978AE24D0}"/>
+          </ac:picMkLst>
+        </pc:picChg>
+      </pc:sldChg>
+      <pc:sldChg chg="modSp mod">
+        <pc:chgData name="Brandon Lasher" userId="3494449ee73156b5" providerId="LiveId" clId="{2D3D00D1-063D-4A34-A4F4-727D0E511E62}" dt="2022-12-08T02:43:51.217" v="104" actId="20577"/>
+        <pc:sldMkLst>
+          <pc:docMk/>
+          <pc:sldMk cId="2924798439" sldId="275"/>
+        </pc:sldMkLst>
+        <pc:spChg chg="mod">
+          <ac:chgData name="Brandon Lasher" userId="3494449ee73156b5" providerId="LiveId" clId="{2D3D00D1-063D-4A34-A4F4-727D0E511E62}" dt="2022-12-08T02:43:51.217" v="104" actId="20577"/>
+          <ac:spMkLst>
+            <pc:docMk/>
+            <pc:sldMk cId="2924798439" sldId="275"/>
+            <ac:spMk id="3" creationId="{C3E3C039-26E6-3E41-C35C-C96E0305ACC4}"/>
+          </ac:spMkLst>
+        </pc:spChg>
+      </pc:sldChg>
+      <pc:sldChg chg="modSp mod">
+        <pc:chgData name="Brandon Lasher" userId="3494449ee73156b5" providerId="LiveId" clId="{2D3D00D1-063D-4A34-A4F4-727D0E511E62}" dt="2022-12-08T02:43:05.758" v="12" actId="1076"/>
+        <pc:sldMkLst>
+          <pc:docMk/>
+          <pc:sldMk cId="2779550582" sldId="277"/>
+        </pc:sldMkLst>
+        <pc:spChg chg="mod">
+          <ac:chgData name="Brandon Lasher" userId="3494449ee73156b5" providerId="LiveId" clId="{2D3D00D1-063D-4A34-A4F4-727D0E511E62}" dt="2022-12-08T02:43:05.758" v="12" actId="1076"/>
+          <ac:spMkLst>
+            <pc:docMk/>
+            <pc:sldMk cId="2779550582" sldId="277"/>
+            <ac:spMk id="6" creationId="{30136134-B360-4AF2-6B5D-0388E62A43B2}"/>
+          </ac:spMkLst>
+        </pc:spChg>
+      </pc:sldChg>
+      <pc:sldChg chg="modSp mod">
+        <pc:chgData name="Brandon Lasher" userId="3494449ee73156b5" providerId="LiveId" clId="{2D3D00D1-063D-4A34-A4F4-727D0E511E62}" dt="2022-12-08T02:44:06.100" v="106" actId="1076"/>
+        <pc:sldMkLst>
+          <pc:docMk/>
+          <pc:sldMk cId="3446237229" sldId="279"/>
+        </pc:sldMkLst>
+        <pc:spChg chg="mod">
+          <ac:chgData name="Brandon Lasher" userId="3494449ee73156b5" providerId="LiveId" clId="{2D3D00D1-063D-4A34-A4F4-727D0E511E62}" dt="2022-12-08T02:44:04.116" v="105" actId="1076"/>
+          <ac:spMkLst>
+            <pc:docMk/>
+            <pc:sldMk cId="3446237229" sldId="279"/>
+            <ac:spMk id="3" creationId="{97093491-7844-9BBA-BD43-E875544CA872}"/>
+          </ac:spMkLst>
+        </pc:spChg>
+        <pc:spChg chg="mod">
+          <ac:chgData name="Brandon Lasher" userId="3494449ee73156b5" providerId="LiveId" clId="{2D3D00D1-063D-4A34-A4F4-727D0E511E62}" dt="2022-12-08T02:44:06.100" v="106" actId="1076"/>
+          <ac:spMkLst>
+            <pc:docMk/>
+            <pc:sldMk cId="3446237229" sldId="279"/>
+            <ac:spMk id="5" creationId="{AB811095-7EAF-8C2A-A6B3-361216A9FF50}"/>
+          </ac:spMkLst>
+        </pc:spChg>
+      </pc:sldChg>
+    </pc:docChg>
+  </pc:docChgLst>
+  <pc:docChgLst>
     <pc:chgData name="bl7@hood.edu" userId="aec07a53-2e93-4fb6-ab81-85d3b7aef536" providerId="ADAL" clId="{0B309B82-6F1E-4D69-8D94-9C9C2BA009C4}"/>
     <pc:docChg chg="modSld">
       <pc:chgData name="bl7@hood.edu" userId="aec07a53-2e93-4fb6-ab81-85d3b7aef536" providerId="ADAL" clId="{0B309B82-6F1E-4D69-8D94-9C9C2BA009C4}" dt="2022-12-07T22:57:18.520" v="8" actId="14100"/>
@@ -8405,16 +8513,6 @@
             </a:r>
           </a:p>
           <a:p>
-            <a:r>
-              <a:rPr lang="en-US" dirty="0"/>
-              <a:t>In this case</a:t>
-            </a:r>
-          </a:p>
-          <a:p>
-            <a:pPr lvl="1"/>
-            <a:endParaRPr lang="en-US" dirty="0"/>
-          </a:p>
-          <a:p>
             <a:pPr lvl="1"/>
             <a:endParaRPr lang="en-US" dirty="0"/>
           </a:p>
@@ -8589,7 +8687,7 @@
               <a:pPr algn="ctr"/>
               <a:r>
                 <a:rPr lang="en-US" dirty="0"/>
-                <a:t>Amazon RedShift</a:t>
+                <a:t>Amazon Redshift</a:t>
               </a:r>
             </a:p>
           </p:txBody>
@@ -9846,18 +9944,25 @@
             <p:ph idx="1"/>
           </p:nvPr>
         </p:nvSpPr>
-        <p:spPr/>
+        <p:spPr>
+          <a:xfrm>
+            <a:off x="403122" y="1527470"/>
+            <a:ext cx="8946541" cy="4195481"/>
+          </a:xfrm>
+        </p:spPr>
         <p:txBody>
           <a:bodyPr/>
           <a:lstStyle/>
           <a:p>
             <a:r>
-              <a:rPr lang="en-US" dirty="0" err="1"/>
-              <a:t>Goto</a:t>
-            </a:r>
-            <a:r>
               <a:rPr lang="en-US" dirty="0"/>
-              <a:t> Cluster information and Open Query Editor V2</a:t>
+              <a:t>Go to Cluster information and Open Query Editor V2</a:t>
+            </a:r>
+          </a:p>
+          <a:p>
+            <a:r>
+              <a:rPr lang="en-US" dirty="0"/>
+              <a:t>From here you will be able to create a notebook to enter the following queries </a:t>
             </a:r>
           </a:p>
         </p:txBody>
@@ -12456,8 +12561,8 @@
         </p:nvSpPr>
         <p:spPr>
           <a:xfrm>
-            <a:off x="5578764" y="1955367"/>
-            <a:ext cx="1625600" cy="369332"/>
+            <a:off x="5438914" y="1910358"/>
+            <a:ext cx="2026892" cy="369332"/>
           </a:xfrm>
           <a:prstGeom prst="rect">
             <a:avLst/>
@@ -13908,7 +14013,7 @@
         </p:nvSpPr>
         <p:spPr>
           <a:xfrm>
-            <a:off x="1104293" y="1960555"/>
+            <a:off x="838200" y="1594795"/>
             <a:ext cx="8946541" cy="4195481"/>
           </a:xfrm>
         </p:spPr>
@@ -13937,7 +14042,7 @@
         </p:nvSpPr>
         <p:spPr>
           <a:xfrm>
-            <a:off x="838200" y="2333685"/>
+            <a:off x="838200" y="2118532"/>
             <a:ext cx="4553527" cy="4524315"/>
           </a:xfrm>
           <a:prstGeom prst="rect">
@@ -16543,8 +16648,8 @@
         </p:blipFill>
         <p:spPr bwMode="auto">
           <a:xfrm>
-            <a:off x="5588617" y="2060575"/>
-            <a:ext cx="5642800" cy="3656976"/>
+            <a:off x="5803771" y="1936445"/>
+            <a:ext cx="5642800" cy="2985109"/>
           </a:xfrm>
           <a:prstGeom prst="rect">
             <a:avLst/>

--- a/Final/lasher_redshift_dl_ml_csit565_final.pptx
+++ b/Final/lasher_redshift_dl_ml_csit565_final.pptx
@@ -137,14 +137,6 @@
     </p:ext>
   </p:extLst>
 </p:presentation>
-</file>
-
-<file path=ppt/revisionInfo.xml><?xml version="1.0" encoding="utf-8"?>
-<p1510:revInfo xmlns:a="http://schemas.openxmlformats.org/drawingml/2006/main" xmlns:r="http://schemas.openxmlformats.org/officeDocument/2006/relationships" xmlns:p1510="http://schemas.microsoft.com/office/powerpoint/2015/10/main">
-  <p1510:revLst>
-    <p1510:client id="{C47EDF34-9FAD-46EB-9106-1353B2414211}" v="55" dt="2022-12-07T21:37:10.056"/>
-  </p1510:revLst>
-</p1510:revInfo>
 </file>
 
 <file path=ppt/changesInfos/changesInfo1.xml><?xml version="1.0" encoding="utf-8"?>
@@ -1575,11 +1567,26 @@
   </pc:docChgLst>
   <pc:docChgLst>
     <pc:chgData name="bl7@hood.edu" userId="aec07a53-2e93-4fb6-ab81-85d3b7aef536" providerId="ADAL" clId="{0B309B82-6F1E-4D69-8D94-9C9C2BA009C4}"/>
-    <pc:docChg chg="modSld">
-      <pc:chgData name="bl7@hood.edu" userId="aec07a53-2e93-4fb6-ab81-85d3b7aef536" providerId="ADAL" clId="{0B309B82-6F1E-4D69-8D94-9C9C2BA009C4}" dt="2022-12-07T22:57:18.520" v="8" actId="14100"/>
+    <pc:docChg chg="custSel modSld">
+      <pc:chgData name="bl7@hood.edu" userId="aec07a53-2e93-4fb6-ab81-85d3b7aef536" providerId="ADAL" clId="{0B309B82-6F1E-4D69-8D94-9C9C2BA009C4}" dt="2022-12-08T23:11:20.836" v="13" actId="20577"/>
       <pc:docMkLst>
         <pc:docMk/>
       </pc:docMkLst>
+      <pc:sldChg chg="modSp mod">
+        <pc:chgData name="bl7@hood.edu" userId="aec07a53-2e93-4fb6-ab81-85d3b7aef536" providerId="ADAL" clId="{0B309B82-6F1E-4D69-8D94-9C9C2BA009C4}" dt="2022-12-08T23:11:20.836" v="13" actId="20577"/>
+        <pc:sldMkLst>
+          <pc:docMk/>
+          <pc:sldMk cId="1103289195" sldId="257"/>
+        </pc:sldMkLst>
+        <pc:spChg chg="mod">
+          <ac:chgData name="bl7@hood.edu" userId="aec07a53-2e93-4fb6-ab81-85d3b7aef536" providerId="ADAL" clId="{0B309B82-6F1E-4D69-8D94-9C9C2BA009C4}" dt="2022-12-08T23:11:20.836" v="13" actId="20577"/>
+          <ac:spMkLst>
+            <pc:docMk/>
+            <pc:sldMk cId="1103289195" sldId="257"/>
+            <ac:spMk id="3" creationId="{91563719-28A0-FE86-556B-55E4EFB8A7B6}"/>
+          </ac:spMkLst>
+        </pc:spChg>
+      </pc:sldChg>
       <pc:sldChg chg="modSp mod">
         <pc:chgData name="bl7@hood.edu" userId="aec07a53-2e93-4fb6-ab81-85d3b7aef536" providerId="ADAL" clId="{0B309B82-6F1E-4D69-8D94-9C9C2BA009C4}" dt="2022-12-07T22:56:22.050" v="0" actId="14100"/>
         <pc:sldMkLst>
@@ -1787,7 +1794,7 @@
           <a:p>
             <a:fld id="{1A8F0AD2-1C2F-4ADA-8142-0CAA99B48FE4}" type="datetimeFigureOut">
               <a:rPr lang="en-US" smtClean="0"/>
-              <a:t>12/7/2022</a:t>
+              <a:t>12/8/2022</a:t>
             </a:fld>
             <a:endParaRPr lang="en-US"/>
           </a:p>
@@ -2240,7 +2247,7 @@
           <a:p>
             <a:fld id="{7AF1BCCE-1537-4BBA-8235-34495D7BFF1B}" type="datetime1">
               <a:rPr lang="en-US" smtClean="0"/>
-              <a:t>12/7/2022</a:t>
+              <a:t>12/8/2022</a:t>
             </a:fld>
             <a:endParaRPr lang="en-US"/>
           </a:p>
@@ -2518,7 +2525,7 @@
           <a:p>
             <a:fld id="{C7250FDE-43D3-445E-B4AC-EB7B54C8AF49}" type="datetime1">
               <a:rPr lang="en-US" smtClean="0"/>
-              <a:t>12/7/2022</a:t>
+              <a:t>12/8/2022</a:t>
             </a:fld>
             <a:endParaRPr lang="en-US"/>
           </a:p>
@@ -2715,7 +2722,7 @@
           <a:p>
             <a:fld id="{3AACFBEC-B651-47D7-B39C-7D8D301D4679}" type="datetime1">
               <a:rPr lang="en-US" smtClean="0"/>
-              <a:t>12/7/2022</a:t>
+              <a:t>12/8/2022</a:t>
             </a:fld>
             <a:endParaRPr lang="en-US"/>
           </a:p>
@@ -2991,7 +2998,7 @@
           <a:p>
             <a:fld id="{5FEF94D5-C7AD-4C05-9894-D18890A6B30C}" type="datetime1">
               <a:rPr lang="en-US" smtClean="0"/>
-              <a:t>12/7/2022</a:t>
+              <a:t>12/8/2022</a:t>
             </a:fld>
             <a:endParaRPr lang="en-US"/>
           </a:p>
@@ -3335,7 +3342,7 @@
           <a:p>
             <a:fld id="{F62873E4-85F3-4FFA-8662-1276AD4D4665}" type="datetime1">
               <a:rPr lang="en-US" smtClean="0"/>
-              <a:t>12/7/2022</a:t>
+              <a:t>12/8/2022</a:t>
             </a:fld>
             <a:endParaRPr lang="en-US"/>
           </a:p>
@@ -3961,7 +3968,7 @@
           <a:p>
             <a:fld id="{03C616EA-F98C-474E-A9A8-7C1A0728DDBB}" type="datetime1">
               <a:rPr lang="en-US" smtClean="0"/>
-              <a:t>12/7/2022</a:t>
+              <a:t>12/8/2022</a:t>
             </a:fld>
             <a:endParaRPr lang="en-US"/>
           </a:p>
@@ -4824,7 +4831,7 @@
           <a:p>
             <a:fld id="{EDA7FE6D-2A8B-4F81-B90C-1379D02CDD4A}" type="datetime1">
               <a:rPr lang="en-US" smtClean="0"/>
-              <a:t>12/7/2022</a:t>
+              <a:t>12/8/2022</a:t>
             </a:fld>
             <a:endParaRPr lang="en-US"/>
           </a:p>
@@ -4997,7 +5004,7 @@
           <a:p>
             <a:fld id="{71277219-6317-45C9-AAE5-FEA28127A3E3}" type="datetime1">
               <a:rPr lang="en-US" smtClean="0"/>
-              <a:t>12/7/2022</a:t>
+              <a:t>12/8/2022</a:t>
             </a:fld>
             <a:endParaRPr lang="en-US"/>
           </a:p>
@@ -5180,7 +5187,7 @@
           <a:p>
             <a:fld id="{5AA80D63-4060-4730-988C-FAB1389A1F46}" type="datetime1">
               <a:rPr lang="en-US" smtClean="0"/>
-              <a:t>12/7/2022</a:t>
+              <a:t>12/8/2022</a:t>
             </a:fld>
             <a:endParaRPr lang="en-US"/>
           </a:p>
@@ -5353,7 +5360,7 @@
           <a:p>
             <a:fld id="{5E48BD3C-FB9F-4E32-8099-DFB300002F65}" type="datetime1">
               <a:rPr lang="en-US" smtClean="0"/>
-              <a:t>12/7/2022</a:t>
+              <a:t>12/8/2022</a:t>
             </a:fld>
             <a:endParaRPr lang="en-US"/>
           </a:p>
@@ -5603,7 +5610,7 @@
           <a:p>
             <a:fld id="{3133DE95-D078-41A9-9659-FF7A6E5DF8C1}" type="datetime1">
               <a:rPr lang="en-US" smtClean="0"/>
-              <a:t>12/7/2022</a:t>
+              <a:t>12/8/2022</a:t>
             </a:fld>
             <a:endParaRPr lang="en-US"/>
           </a:p>
@@ -5898,7 +5905,7 @@
           <a:p>
             <a:fld id="{A59DDA0B-978C-44D6-8185-2358A7D4A282}" type="datetime1">
               <a:rPr lang="en-US" smtClean="0"/>
-              <a:t>12/7/2022</a:t>
+              <a:t>12/8/2022</a:t>
             </a:fld>
             <a:endParaRPr lang="en-US"/>
           </a:p>
@@ -6345,7 +6352,7 @@
           <a:p>
             <a:fld id="{FC457B5C-C845-4405-9D87-AD615415D672}" type="datetime1">
               <a:rPr lang="en-US" smtClean="0"/>
-              <a:t>12/7/2022</a:t>
+              <a:t>12/8/2022</a:t>
             </a:fld>
             <a:endParaRPr lang="en-US"/>
           </a:p>
@@ -6466,7 +6473,7 @@
           <a:p>
             <a:fld id="{EFA7FCD9-6B19-4604-8C5E-223E7C154C51}" type="datetime1">
               <a:rPr lang="en-US" smtClean="0"/>
-              <a:t>12/7/2022</a:t>
+              <a:t>12/8/2022</a:t>
             </a:fld>
             <a:endParaRPr lang="en-US"/>
           </a:p>
@@ -6564,7 +6571,7 @@
           <a:p>
             <a:fld id="{F5659C48-5D8A-400C-9ED1-E0F27A16DBC7}" type="datetime1">
               <a:rPr lang="en-US" smtClean="0"/>
-              <a:t>12/7/2022</a:t>
+              <a:t>12/8/2022</a:t>
             </a:fld>
             <a:endParaRPr lang="en-US"/>
           </a:p>
@@ -6846,7 +6853,7 @@
           <a:p>
             <a:fld id="{0CADDFCF-D3A9-44C0-97A1-8470F169C1EE}" type="datetime1">
               <a:rPr lang="en-US" smtClean="0"/>
-              <a:t>12/7/2022</a:t>
+              <a:t>12/8/2022</a:t>
             </a:fld>
             <a:endParaRPr lang="en-US"/>
           </a:p>
@@ -7124,7 +7131,7 @@
           <a:p>
             <a:fld id="{E3A1A3AF-944E-4275-B49C-A13371012B1A}" type="datetime1">
               <a:rPr lang="en-US" smtClean="0"/>
-              <a:t>12/7/2022</a:t>
+              <a:t>12/8/2022</a:t>
             </a:fld>
             <a:endParaRPr lang="en-US"/>
           </a:p>
@@ -7556,7 +7563,7 @@
           <a:p>
             <a:fld id="{CC60E5F7-3466-41E9-AC4B-D3B9A5465325}" type="datetime1">
               <a:rPr lang="en-US" smtClean="0"/>
-              <a:t>12/7/2022</a:t>
+              <a:t>12/8/2022</a:t>
             </a:fld>
             <a:endParaRPr lang="en-US"/>
           </a:p>
@@ -16227,7 +16234,7 @@
         <p:spPr/>
         <p:txBody>
           <a:bodyPr>
-            <a:normAutofit lnSpcReduction="10000"/>
+            <a:normAutofit/>
           </a:bodyPr>
           <a:lstStyle/>
           <a:p>
@@ -16275,8 +16282,13 @@
             <a:pPr lvl="1"/>
             <a:r>
               <a:rPr lang="en-US" dirty="0"/>
-              <a:t>A cluster contains one or mode databases. User data is stored on the compute nodes. </a:t>
-            </a:r>
+              <a:t>User data is stored </a:t>
+            </a:r>
+            <a:r>
+              <a:rPr lang="en-US"/>
+              <a:t>on compute nodes</a:t>
+            </a:r>
+            <a:endParaRPr lang="en-US" dirty="0"/>
           </a:p>
           <a:p>
             <a:pPr lvl="1"/>

--- a/Final/lasher_redshift_dl_ml_csit565_final.pptx
+++ b/Final/lasher_redshift_dl_ml_csit565_final.pptx
@@ -1568,7 +1568,7 @@
   <pc:docChgLst>
     <pc:chgData name="bl7@hood.edu" userId="aec07a53-2e93-4fb6-ab81-85d3b7aef536" providerId="ADAL" clId="{0B309B82-6F1E-4D69-8D94-9C9C2BA009C4}"/>
     <pc:docChg chg="custSel modSld">
-      <pc:chgData name="bl7@hood.edu" userId="aec07a53-2e93-4fb6-ab81-85d3b7aef536" providerId="ADAL" clId="{0B309B82-6F1E-4D69-8D94-9C9C2BA009C4}" dt="2022-12-08T23:11:20.836" v="13" actId="20577"/>
+      <pc:chgData name="bl7@hood.edu" userId="aec07a53-2e93-4fb6-ab81-85d3b7aef536" providerId="ADAL" clId="{0B309B82-6F1E-4D69-8D94-9C9C2BA009C4}" dt="2022-12-08T23:18:40.890" v="19" actId="20577"/>
       <pc:docMkLst>
         <pc:docMk/>
       </pc:docMkLst>
@@ -1599,6 +1599,21 @@
             <pc:docMk/>
             <pc:sldMk cId="1025544525" sldId="261"/>
             <ac:spMk id="2" creationId="{06214142-C8A1-D9B3-3011-D14333339F91}"/>
+          </ac:spMkLst>
+        </pc:spChg>
+      </pc:sldChg>
+      <pc:sldChg chg="modSp mod">
+        <pc:chgData name="bl7@hood.edu" userId="aec07a53-2e93-4fb6-ab81-85d3b7aef536" providerId="ADAL" clId="{0B309B82-6F1E-4D69-8D94-9C9C2BA009C4}" dt="2022-12-08T23:18:40.890" v="19" actId="20577"/>
+        <pc:sldMkLst>
+          <pc:docMk/>
+          <pc:sldMk cId="1604475628" sldId="266"/>
+        </pc:sldMkLst>
+        <pc:spChg chg="mod">
+          <ac:chgData name="bl7@hood.edu" userId="aec07a53-2e93-4fb6-ab81-85d3b7aef536" providerId="ADAL" clId="{0B309B82-6F1E-4D69-8D94-9C9C2BA009C4}" dt="2022-12-08T23:18:40.890" v="19" actId="20577"/>
+          <ac:spMkLst>
+            <pc:docMk/>
+            <pc:sldMk cId="1604475628" sldId="266"/>
+            <ac:spMk id="3" creationId="{E9A65092-2E20-36E7-EBA4-AC6532A8653D}"/>
           </ac:spMkLst>
         </pc:spChg>
       </pc:sldChg>
@@ -16507,17 +16522,11 @@
             <a:pPr lvl="1"/>
             <a:r>
               <a:rPr lang="en-US" dirty="0"/>
-              <a:t>Amazon Redshift uses a block size of 1 MB, to further reduces the number of I/O requests needed to perform any database loading or other operations that are part of a query</a:t>
-            </a:r>
-            <a:r>
-              <a:rPr lang="en-US" b="0" i="0" dirty="0">
-                <a:solidFill>
-                  <a:srgbClr val="16191F"/>
-                </a:solidFill>
-                <a:effectLst/>
-                <a:latin typeface="Amazon Ember"/>
-              </a:rPr>
-              <a:t>.</a:t>
+              <a:t>Amazon Redshift uses a block size of 1 MB, to further reduces the number of I/O requests needed to perform any database loading or other operations that are part of a </a:t>
+            </a:r>
+            <a:r>
+              <a:rPr lang="en-US"/>
+              <a:t>query.</a:t>
             </a:r>
             <a:endParaRPr lang="en-US" dirty="0"/>
           </a:p>
